--- a/presentation/TabFM.pptx
+++ b/presentation/TabFM.pptx
@@ -1003,7 +1003,7 @@
           <a:p>
             <a:fld id="{FAD1D0C0-4AA5-4C62-A1BA-AA3AD64BD218}" type="datetimeFigureOut">
               <a:rPr lang="en-GB" smtClean="0"/>
-              <a:t>30/09/2024</a:t>
+              <a:t>07/10/2024</a:t>
             </a:fld>
             <a:endParaRPr lang="en-GB"/>
           </a:p>
@@ -1203,7 +1203,7 @@
           <a:p>
             <a:fld id="{FAD1D0C0-4AA5-4C62-A1BA-AA3AD64BD218}" type="datetimeFigureOut">
               <a:rPr lang="en-GB" smtClean="0"/>
-              <a:t>30/09/2024</a:t>
+              <a:t>07/10/2024</a:t>
             </a:fld>
             <a:endParaRPr lang="en-GB"/>
           </a:p>
@@ -1413,7 +1413,7 @@
           <a:p>
             <a:fld id="{FAD1D0C0-4AA5-4C62-A1BA-AA3AD64BD218}" type="datetimeFigureOut">
               <a:rPr lang="en-GB" smtClean="0"/>
-              <a:t>30/09/2024</a:t>
+              <a:t>07/10/2024</a:t>
             </a:fld>
             <a:endParaRPr lang="en-GB"/>
           </a:p>
@@ -1635,7 +1635,7 @@
           <a:p>
             <a:fld id="{C549D344-DF28-3942-A533-7BAE51F54729}" type="datetime1">
               <a:rPr lang="de-DE" smtClean="0"/>
-              <a:t>30.09.2024</a:t>
+              <a:t>07.10.2024</a:t>
             </a:fld>
             <a:endParaRPr lang="en-DE"/>
           </a:p>
@@ -1835,7 +1835,7 @@
           <a:p>
             <a:fld id="{0D5BD470-EF8A-9248-A0C9-F868A9D8F50A}" type="datetime1">
               <a:rPr lang="de-DE" smtClean="0"/>
-              <a:t>30.09.2024</a:t>
+              <a:t>07.10.2024</a:t>
             </a:fld>
             <a:endParaRPr lang="en-DE"/>
           </a:p>
@@ -2111,7 +2111,7 @@
           <a:p>
             <a:fld id="{7B12F34F-4BA0-4C4C-95F7-3AE797B9DBCA}" type="datetime1">
               <a:rPr lang="de-DE" smtClean="0"/>
-              <a:t>30.09.2024</a:t>
+              <a:t>07.10.2024</a:t>
             </a:fld>
             <a:endParaRPr lang="en-DE"/>
           </a:p>
@@ -2379,7 +2379,7 @@
           <a:p>
             <a:fld id="{C522E529-A223-9F44-93E9-FAF3838F58DD}" type="datetime1">
               <a:rPr lang="de-DE" smtClean="0"/>
-              <a:t>30.09.2024</a:t>
+              <a:t>07.10.2024</a:t>
             </a:fld>
             <a:endParaRPr lang="en-DE"/>
           </a:p>
@@ -2794,7 +2794,7 @@
           <a:p>
             <a:fld id="{4DF85873-DFC3-7147-8CF2-B93516293BD0}" type="datetime1">
               <a:rPr lang="de-DE" smtClean="0"/>
-              <a:t>30.09.2024</a:t>
+              <a:t>07.10.2024</a:t>
             </a:fld>
             <a:endParaRPr lang="en-DE"/>
           </a:p>
@@ -2936,7 +2936,7 @@
           <a:p>
             <a:fld id="{9FC8FD75-28F4-1141-976A-ED0F1E51F5FE}" type="datetime1">
               <a:rPr lang="de-DE" smtClean="0"/>
-              <a:t>30.09.2024</a:t>
+              <a:t>07.10.2024</a:t>
             </a:fld>
             <a:endParaRPr lang="en-DE"/>
           </a:p>
@@ -3049,7 +3049,7 @@
           <a:p>
             <a:fld id="{A5CF1818-702C-9249-923B-5C9832600DF4}" type="datetime1">
               <a:rPr lang="de-DE" smtClean="0"/>
-              <a:t>30.09.2024</a:t>
+              <a:t>07.10.2024</a:t>
             </a:fld>
             <a:endParaRPr lang="en-DE"/>
           </a:p>
@@ -3362,7 +3362,7 @@
           <a:p>
             <a:fld id="{70703230-1F3D-6648-88BD-E31F8313AC65}" type="datetime1">
               <a:rPr lang="de-DE" smtClean="0"/>
-              <a:t>30.09.2024</a:t>
+              <a:t>07.10.2024</a:t>
             </a:fld>
             <a:endParaRPr lang="en-DE"/>
           </a:p>
@@ -3562,7 +3562,7 @@
           <a:p>
             <a:fld id="{FAD1D0C0-4AA5-4C62-A1BA-AA3AD64BD218}" type="datetimeFigureOut">
               <a:rPr lang="en-GB" smtClean="0"/>
-              <a:t>30/09/2024</a:t>
+              <a:t>07/10/2024</a:t>
             </a:fld>
             <a:endParaRPr lang="en-GB"/>
           </a:p>
@@ -3851,7 +3851,7 @@
           <a:p>
             <a:fld id="{EE1F903E-BE95-4947-BFB2-6309249837BB}" type="datetime1">
               <a:rPr lang="de-DE" smtClean="0"/>
-              <a:t>30.09.2024</a:t>
+              <a:t>07.10.2024</a:t>
             </a:fld>
             <a:endParaRPr lang="en-DE"/>
           </a:p>
@@ -4051,7 +4051,7 @@
           <a:p>
             <a:fld id="{B086E2CF-DFBF-D04E-B5DA-5682BEFB4DDF}" type="datetime1">
               <a:rPr lang="de-DE" smtClean="0"/>
-              <a:t>30.09.2024</a:t>
+              <a:t>07.10.2024</a:t>
             </a:fld>
             <a:endParaRPr lang="en-DE"/>
           </a:p>
@@ -4261,7 +4261,7 @@
           <a:p>
             <a:fld id="{535E2105-910D-C747-9EAC-FAEE1AE97756}" type="datetime1">
               <a:rPr lang="de-DE" smtClean="0"/>
-              <a:t>30.09.2024</a:t>
+              <a:t>07.10.2024</a:t>
             </a:fld>
             <a:endParaRPr lang="en-DE"/>
           </a:p>
@@ -4537,7 +4537,7 @@
           <a:p>
             <a:fld id="{FAD1D0C0-4AA5-4C62-A1BA-AA3AD64BD218}" type="datetimeFigureOut">
               <a:rPr lang="en-GB" smtClean="0"/>
-              <a:t>30/09/2024</a:t>
+              <a:t>07/10/2024</a:t>
             </a:fld>
             <a:endParaRPr lang="en-GB"/>
           </a:p>
@@ -4805,7 +4805,7 @@
           <a:p>
             <a:fld id="{FAD1D0C0-4AA5-4C62-A1BA-AA3AD64BD218}" type="datetimeFigureOut">
               <a:rPr lang="en-GB" smtClean="0"/>
-              <a:t>30/09/2024</a:t>
+              <a:t>07/10/2024</a:t>
             </a:fld>
             <a:endParaRPr lang="en-GB"/>
           </a:p>
@@ -5220,7 +5220,7 @@
           <a:p>
             <a:fld id="{FAD1D0C0-4AA5-4C62-A1BA-AA3AD64BD218}" type="datetimeFigureOut">
               <a:rPr lang="en-GB" smtClean="0"/>
-              <a:t>30/09/2024</a:t>
+              <a:t>07/10/2024</a:t>
             </a:fld>
             <a:endParaRPr lang="en-GB"/>
           </a:p>
@@ -5362,7 +5362,7 @@
           <a:p>
             <a:fld id="{FAD1D0C0-4AA5-4C62-A1BA-AA3AD64BD218}" type="datetimeFigureOut">
               <a:rPr lang="en-GB" smtClean="0"/>
-              <a:t>30/09/2024</a:t>
+              <a:t>07/10/2024</a:t>
             </a:fld>
             <a:endParaRPr lang="en-GB"/>
           </a:p>
@@ -5475,7 +5475,7 @@
           <a:p>
             <a:fld id="{FAD1D0C0-4AA5-4C62-A1BA-AA3AD64BD218}" type="datetimeFigureOut">
               <a:rPr lang="en-GB" smtClean="0"/>
-              <a:t>30/09/2024</a:t>
+              <a:t>07/10/2024</a:t>
             </a:fld>
             <a:endParaRPr lang="en-GB"/>
           </a:p>
@@ -5788,7 +5788,7 @@
           <a:p>
             <a:fld id="{FAD1D0C0-4AA5-4C62-A1BA-AA3AD64BD218}" type="datetimeFigureOut">
               <a:rPr lang="en-GB" smtClean="0"/>
-              <a:t>30/09/2024</a:t>
+              <a:t>07/10/2024</a:t>
             </a:fld>
             <a:endParaRPr lang="en-GB"/>
           </a:p>
@@ -6077,7 +6077,7 @@
           <a:p>
             <a:fld id="{FAD1D0C0-4AA5-4C62-A1BA-AA3AD64BD218}" type="datetimeFigureOut">
               <a:rPr lang="en-GB" smtClean="0"/>
-              <a:t>30/09/2024</a:t>
+              <a:t>07/10/2024</a:t>
             </a:fld>
             <a:endParaRPr lang="en-GB"/>
           </a:p>
@@ -6320,7 +6320,7 @@
           <a:p>
             <a:fld id="{FAD1D0C0-4AA5-4C62-A1BA-AA3AD64BD218}" type="datetimeFigureOut">
               <a:rPr lang="en-GB" smtClean="0"/>
-              <a:t>30/09/2024</a:t>
+              <a:t>07/10/2024</a:t>
             </a:fld>
             <a:endParaRPr lang="en-GB"/>
           </a:p>
@@ -6890,7 +6890,7 @@
           <a:p>
             <a:fld id="{18698627-0DA6-6B48-8AB9-BEA12C38C21E}" type="datetime1">
               <a:rPr lang="de-DE" smtClean="0"/>
-              <a:t>30.09.2024</a:t>
+              <a:t>07.10.2024</a:t>
             </a:fld>
             <a:endParaRPr lang="en-DE"/>
           </a:p>
@@ -8664,100 +8664,69 @@
           </a:p>
         </p:txBody>
       </p:sp>
-      <p:grpSp>
-        <p:nvGrpSpPr>
-          <p:cNvPr id="10" name="Group 9">
-            <a:extLst>
-              <a:ext uri="{FF2B5EF4-FFF2-40B4-BE49-F238E27FC236}">
-                <a16:creationId xmlns:a16="http://schemas.microsoft.com/office/drawing/2014/main" id="{2DCA5AC5-9EB5-7D43-67D2-E60788124BB0}"/>
-              </a:ext>
-            </a:extLst>
-          </p:cNvPr>
-          <p:cNvGrpSpPr/>
-          <p:nvPr/>
-        </p:nvGrpSpPr>
-        <p:grpSpPr>
-          <a:xfrm>
-            <a:off x="1353255" y="1385888"/>
-            <a:ext cx="9485489" cy="5335587"/>
-            <a:chOff x="1353255" y="1385888"/>
-            <a:chExt cx="9485489" cy="5335587"/>
-          </a:xfrm>
-        </p:grpSpPr>
-        <p:pic>
-          <p:nvPicPr>
-            <p:cNvPr id="6" name="Picture 5" descr="A diagram of a computer coder&#10;&#10;Description automatically generated">
-              <a:extLst>
-                <a:ext uri="{FF2B5EF4-FFF2-40B4-BE49-F238E27FC236}">
-                  <a16:creationId xmlns:a16="http://schemas.microsoft.com/office/drawing/2014/main" id="{3965A21E-5986-6FAD-5781-A5F95C066436}"/>
-                </a:ext>
-              </a:extLst>
-            </p:cNvPr>
-            <p:cNvPicPr>
-              <a:picLocks noChangeAspect="1"/>
-            </p:cNvPicPr>
-            <p:nvPr/>
-          </p:nvPicPr>
-          <p:blipFill>
-            <a:blip r:embed="rId2">
-              <a:extLst>
-                <a:ext uri="{28A0092B-C50C-407E-A947-70E740481C1C}">
-                  <a14:useLocalDpi xmlns:a14="http://schemas.microsoft.com/office/drawing/2010/main" val="0"/>
-                </a:ext>
-              </a:extLst>
-            </a:blip>
-            <a:stretch>
-              <a:fillRect/>
-            </a:stretch>
-          </p:blipFill>
-          <p:spPr>
-            <a:xfrm>
-              <a:off x="1353255" y="1385888"/>
-              <a:ext cx="9485489" cy="5335587"/>
-            </a:xfrm>
-            <a:prstGeom prst="rect">
-              <a:avLst/>
-            </a:prstGeom>
-          </p:spPr>
-        </p:pic>
-        <p:sp>
-          <p:nvSpPr>
-            <p:cNvPr id="9" name="TextBox 8">
-              <a:extLst>
-                <a:ext uri="{FF2B5EF4-FFF2-40B4-BE49-F238E27FC236}">
-                  <a16:creationId xmlns:a16="http://schemas.microsoft.com/office/drawing/2014/main" id="{F8359D5B-91D6-75A5-3270-F7A31CB7F2E9}"/>
-                </a:ext>
-              </a:extLst>
-            </p:cNvPr>
-            <p:cNvSpPr txBox="1"/>
-            <p:nvPr/>
-          </p:nvSpPr>
-          <p:spPr>
-            <a:xfrm>
-              <a:off x="5031060" y="3032236"/>
-              <a:ext cx="2129878" cy="369332"/>
-            </a:xfrm>
-            <a:prstGeom prst="rect">
-              <a:avLst/>
-            </a:prstGeom>
-            <a:solidFill>
-              <a:schemeClr val="bg2"/>
-            </a:solidFill>
-          </p:spPr>
-          <p:txBody>
-            <a:bodyPr wrap="none" rtlCol="0">
-              <a:spAutoFit/>
-            </a:bodyPr>
-            <a:lstStyle/>
-            <a:p>
-              <a:r>
-                <a:rPr lang="en-GB" dirty="0"/>
-                <a:t>transformer encoder</a:t>
-              </a:r>
-            </a:p>
-          </p:txBody>
-        </p:sp>
-      </p:grpSp>
+      <p:graphicFrame>
+        <p:nvGraphicFramePr>
+          <p:cNvPr id="3" name="Object 2">
+            <a:extLst>
+              <a:ext uri="{FF2B5EF4-FFF2-40B4-BE49-F238E27FC236}">
+                <a16:creationId xmlns:a16="http://schemas.microsoft.com/office/drawing/2014/main" id="{BDF07E79-F31B-A739-76C2-76B0D24E6328}"/>
+              </a:ext>
+            </a:extLst>
+          </p:cNvPr>
+          <p:cNvGraphicFramePr>
+            <a:graphicFrameLocks noChangeAspect="1"/>
+          </p:cNvGraphicFramePr>
+          <p:nvPr>
+            <p:extLst>
+              <p:ext uri="{D42A27DB-BD31-4B8C-83A1-F6EECF244321}">
+                <p14:modId xmlns:p14="http://schemas.microsoft.com/office/powerpoint/2010/main" val="2326372095"/>
+              </p:ext>
+            </p:extLst>
+          </p:nvPr>
+        </p:nvGraphicFramePr>
+        <p:xfrm>
+          <a:off x="1337204" y="1367829"/>
+          <a:ext cx="9517592" cy="5353646"/>
+        </p:xfrm>
+        <a:graphic>
+          <a:graphicData uri="http://schemas.openxmlformats.org/presentationml/2006/ole">
+            <mc:AlternateContent xmlns:mc="http://schemas.openxmlformats.org/markup-compatibility/2006">
+              <mc:Choice xmlns:v="urn:schemas-microsoft-com:vml" Requires="v">
+                <p:oleObj name="Acrobat Document" r:id="rId2" imgW="7315200" imgH="4114800" progId="AcroExch.Document.DC">
+                  <p:embed/>
+                </p:oleObj>
+              </mc:Choice>
+              <mc:Fallback>
+                <p:oleObj name="Acrobat Document" r:id="rId2" imgW="7315200" imgH="4114800" progId="AcroExch.Document.DC">
+                  <p:embed/>
+                  <p:pic>
+                    <p:nvPicPr>
+                      <p:cNvPr id="0" name=""/>
+                      <p:cNvPicPr/>
+                      <p:nvPr/>
+                    </p:nvPicPr>
+                    <p:blipFill>
+                      <a:blip r:embed="rId3"/>
+                      <a:stretch>
+                        <a:fillRect/>
+                      </a:stretch>
+                    </p:blipFill>
+                    <p:spPr>
+                      <a:xfrm>
+                        <a:off x="1337204" y="1367829"/>
+                        <a:ext cx="9517592" cy="5353646"/>
+                      </a:xfrm>
+                      <a:prstGeom prst="rect">
+                        <a:avLst/>
+                      </a:prstGeom>
+                    </p:spPr>
+                  </p:pic>
+                </p:oleObj>
+              </mc:Fallback>
+            </mc:AlternateContent>
+          </a:graphicData>
+        </a:graphic>
+      </p:graphicFrame>
     </p:spTree>
     <p:extLst>
       <p:ext uri="{BB962C8B-B14F-4D97-AF65-F5344CB8AC3E}">
